--- a/オープンキャンパス原案.pptx
+++ b/オープンキャンパス原案.pptx
@@ -5,10 +5,10 @@
     <p:sldMasterId id="2147483648" r:id="rId1"/>
   </p:sldMasterIdLst>
   <p:notesMasterIdLst>
-    <p:notesMasterId r:id="rId9"/>
+    <p:notesMasterId r:id="rId11"/>
   </p:notesMasterIdLst>
   <p:handoutMasterIdLst>
-    <p:handoutMasterId r:id="rId10"/>
+    <p:handoutMasterId r:id="rId12"/>
   </p:handoutMasterIdLst>
   <p:sldIdLst>
     <p:sldId id="256" r:id="rId2"/>
@@ -18,6 +18,8 @@
     <p:sldId id="261" r:id="rId6"/>
     <p:sldId id="257" r:id="rId7"/>
     <p:sldId id="262" r:id="rId8"/>
+    <p:sldId id="263" r:id="rId9"/>
+    <p:sldId id="264" r:id="rId10"/>
   </p:sldIdLst>
   <p:sldSz cx="6858000" cy="9906000" type="A4"/>
   <p:notesSz cx="6797675" cy="9926638"/>
@@ -116,6 +118,22 @@
       </a:defRPr>
     </a:lvl9pPr>
   </p:defaultTextStyle>
+  <p:extLst>
+    <p:ext uri="{EFAFB233-063F-42B5-8137-9DF3F51BA10A}">
+      <p15:sldGuideLst xmlns:p15="http://schemas.microsoft.com/office/powerpoint/2012/main">
+        <p15:guide id="1" orient="horz" pos="3120">
+          <p15:clr>
+            <a:srgbClr val="A4A3A4"/>
+          </p15:clr>
+        </p15:guide>
+        <p15:guide id="2" pos="2160">
+          <p15:clr>
+            <a:srgbClr val="A4A3A4"/>
+          </p15:clr>
+        </p15:guide>
+      </p15:sldGuideLst>
+    </p:ext>
+  </p:extLst>
 </p:presentation>
 </file>
 
@@ -201,7 +219,7 @@
           <a:p>
             <a:fld id="{F352143A-34B4-4B5A-AF3F-7E0B42E7690D}" type="datetimeFigureOut">
               <a:rPr kumimoji="1" lang="ja-JP" altLang="en-US" smtClean="0"/>
-              <a:t>2019/9/6</a:t>
+              <a:t>2019/9/11</a:t>
             </a:fld>
             <a:endParaRPr kumimoji="1" lang="ja-JP" altLang="en-US"/>
           </a:p>
@@ -366,7 +384,7 @@
           <a:p>
             <a:fld id="{293121B9-B4A6-4F0F-83D7-155C67788B83}" type="datetimeFigureOut">
               <a:rPr kumimoji="1" lang="ja-JP" altLang="en-US" smtClean="0"/>
-              <a:t>2019/9/6</a:t>
+              <a:t>2019/9/11</a:t>
             </a:fld>
             <a:endParaRPr kumimoji="1" lang="ja-JP" altLang="en-US"/>
           </a:p>
@@ -931,7 +949,7 @@
           <a:p>
             <a:fld id="{A5BCFDC9-8921-4190-A010-279806B1EB18}" type="datetimeFigureOut">
               <a:rPr kumimoji="1" lang="ja-JP" altLang="en-US" smtClean="0"/>
-              <a:t>2019/9/6</a:t>
+              <a:t>2019/9/11</a:t>
             </a:fld>
             <a:endParaRPr kumimoji="1" lang="ja-JP" altLang="en-US"/>
           </a:p>
@@ -1133,7 +1151,7 @@
           <a:p>
             <a:fld id="{A5BCFDC9-8921-4190-A010-279806B1EB18}" type="datetimeFigureOut">
               <a:rPr kumimoji="1" lang="ja-JP" altLang="en-US" smtClean="0"/>
-              <a:t>2019/9/6</a:t>
+              <a:t>2019/9/11</a:t>
             </a:fld>
             <a:endParaRPr kumimoji="1" lang="ja-JP" altLang="en-US"/>
           </a:p>
@@ -1345,7 +1363,7 @@
           <a:p>
             <a:fld id="{A5BCFDC9-8921-4190-A010-279806B1EB18}" type="datetimeFigureOut">
               <a:rPr kumimoji="1" lang="ja-JP" altLang="en-US" smtClean="0"/>
-              <a:t>2019/9/6</a:t>
+              <a:t>2019/9/11</a:t>
             </a:fld>
             <a:endParaRPr kumimoji="1" lang="ja-JP" altLang="en-US"/>
           </a:p>
@@ -1547,7 +1565,7 @@
           <a:p>
             <a:fld id="{A5BCFDC9-8921-4190-A010-279806B1EB18}" type="datetimeFigureOut">
               <a:rPr kumimoji="1" lang="ja-JP" altLang="en-US" smtClean="0"/>
-              <a:t>2019/9/6</a:t>
+              <a:t>2019/9/11</a:t>
             </a:fld>
             <a:endParaRPr kumimoji="1" lang="ja-JP" altLang="en-US"/>
           </a:p>
@@ -1793,7 +1811,7 @@
           <a:p>
             <a:fld id="{A5BCFDC9-8921-4190-A010-279806B1EB18}" type="datetimeFigureOut">
               <a:rPr kumimoji="1" lang="ja-JP" altLang="en-US" smtClean="0"/>
-              <a:t>2019/9/6</a:t>
+              <a:t>2019/9/11</a:t>
             </a:fld>
             <a:endParaRPr kumimoji="1" lang="ja-JP" altLang="en-US"/>
           </a:p>
@@ -2145,7 +2163,7 @@
           <a:p>
             <a:fld id="{A5BCFDC9-8921-4190-A010-279806B1EB18}" type="datetimeFigureOut">
               <a:rPr kumimoji="1" lang="ja-JP" altLang="en-US" smtClean="0"/>
-              <a:t>2019/9/6</a:t>
+              <a:t>2019/9/11</a:t>
             </a:fld>
             <a:endParaRPr kumimoji="1" lang="ja-JP" altLang="en-US"/>
           </a:p>
@@ -2636,7 +2654,7 @@
           <a:p>
             <a:fld id="{A5BCFDC9-8921-4190-A010-279806B1EB18}" type="datetimeFigureOut">
               <a:rPr kumimoji="1" lang="ja-JP" altLang="en-US" smtClean="0"/>
-              <a:t>2019/9/6</a:t>
+              <a:t>2019/9/11</a:t>
             </a:fld>
             <a:endParaRPr kumimoji="1" lang="ja-JP" altLang="en-US"/>
           </a:p>
@@ -2754,7 +2772,7 @@
           <a:p>
             <a:fld id="{A5BCFDC9-8921-4190-A010-279806B1EB18}" type="datetimeFigureOut">
               <a:rPr kumimoji="1" lang="ja-JP" altLang="en-US" smtClean="0"/>
-              <a:t>2019/9/6</a:t>
+              <a:t>2019/9/11</a:t>
             </a:fld>
             <a:endParaRPr kumimoji="1" lang="ja-JP" altLang="en-US"/>
           </a:p>
@@ -2849,7 +2867,7 @@
           <a:p>
             <a:fld id="{A5BCFDC9-8921-4190-A010-279806B1EB18}" type="datetimeFigureOut">
               <a:rPr kumimoji="1" lang="ja-JP" altLang="en-US" smtClean="0"/>
-              <a:t>2019/9/6</a:t>
+              <a:t>2019/9/11</a:t>
             </a:fld>
             <a:endParaRPr kumimoji="1" lang="ja-JP" altLang="en-US"/>
           </a:p>
@@ -3158,7 +3176,7 @@
           <a:p>
             <a:fld id="{A5BCFDC9-8921-4190-A010-279806B1EB18}" type="datetimeFigureOut">
               <a:rPr kumimoji="1" lang="ja-JP" altLang="en-US" smtClean="0"/>
-              <a:t>2019/9/6</a:t>
+              <a:t>2019/9/11</a:t>
             </a:fld>
             <a:endParaRPr kumimoji="1" lang="ja-JP" altLang="en-US"/>
           </a:p>
@@ -3411,7 +3429,7 @@
           <a:p>
             <a:fld id="{A5BCFDC9-8921-4190-A010-279806B1EB18}" type="datetimeFigureOut">
               <a:rPr kumimoji="1" lang="ja-JP" altLang="en-US" smtClean="0"/>
-              <a:t>2019/9/6</a:t>
+              <a:t>2019/9/11</a:t>
             </a:fld>
             <a:endParaRPr kumimoji="1" lang="ja-JP" altLang="en-US"/>
           </a:p>
@@ -3656,7 +3674,7 @@
           <a:p>
             <a:fld id="{A5BCFDC9-8921-4190-A010-279806B1EB18}" type="datetimeFigureOut">
               <a:rPr kumimoji="1" lang="ja-JP" altLang="en-US" smtClean="0"/>
-              <a:t>2019/9/6</a:t>
+              <a:t>2019/9/11</a:t>
             </a:fld>
             <a:endParaRPr kumimoji="1" lang="ja-JP" altLang="en-US"/>
           </a:p>
@@ -5866,11 +5884,7 @@
             </a:r>
             <a:r>
               <a:rPr lang="ja-JP" altLang="en-US" sz="1600" dirty="0" smtClean="0"/>
-              <a:t>　　</a:t>
-            </a:r>
-            <a:r>
-              <a:rPr lang="ja-JP" altLang="en-US" sz="1600" dirty="0" smtClean="0"/>
-              <a:t>コンテンツのインポートを行うことができます。</a:t>
+              <a:t>　　コンテンツのインポートを行うことができます。</a:t>
             </a:r>
             <a:endParaRPr lang="en-US" altLang="ja-JP" sz="1600" dirty="0" smtClean="0"/>
           </a:p>
@@ -6370,228 +6384,485 @@
           <a:chExt cx="0" cy="0"/>
         </a:xfrm>
       </p:grpSpPr>
-      <p:grpSp>
-        <p:nvGrpSpPr>
-          <p:cNvPr id="4" name="グループ化 3"/>
-          <p:cNvGrpSpPr/>
+      <p:sp>
+        <p:nvSpPr>
+          <p:cNvPr id="2" name="テキスト ボックス 1"/>
+          <p:cNvSpPr txBox="1"/>
           <p:nvPr/>
-        </p:nvGrpSpPr>
-        <p:grpSpPr>
+        </p:nvSpPr>
+        <p:spPr>
           <a:xfrm>
-            <a:off x="-14064" y="6723903"/>
-            <a:ext cx="4774840" cy="2232248"/>
-            <a:chOff x="1102432" y="5817096"/>
-            <a:chExt cx="4774840" cy="2232248"/>
+            <a:off x="188640" y="200472"/>
+            <a:ext cx="6408712" cy="369332"/>
           </a:xfrm>
-        </p:grpSpPr>
-        <p:pic>
-          <p:nvPicPr>
-            <p:cNvPr id="5" name="図 4" descr="画面の領域"/>
-            <p:cNvPicPr>
-              <a:picLocks noChangeAspect="1"/>
-            </p:cNvPicPr>
-            <p:nvPr/>
-          </p:nvPicPr>
-          <p:blipFill>
-            <a:blip r:embed="rId2" cstate="print">
-              <a:extLst>
-                <a:ext uri="{28A0092B-C50C-407E-A947-70E740481C1C}">
-                  <a14:useLocalDpi xmlns:a14="http://schemas.microsoft.com/office/drawing/2010/main" val="0"/>
-                </a:ext>
-              </a:extLst>
-            </a:blip>
-            <a:stretch>
-              <a:fillRect/>
-            </a:stretch>
-          </p:blipFill>
-          <p:spPr>
-            <a:xfrm>
-              <a:off x="1102432" y="5817096"/>
-              <a:ext cx="4581128" cy="2125227"/>
-            </a:xfrm>
-            <a:prstGeom prst="rect">
-              <a:avLst/>
-            </a:prstGeom>
-          </p:spPr>
-        </p:pic>
-        <p:sp>
-          <p:nvSpPr>
-            <p:cNvPr id="6" name="角丸四角形 5"/>
-            <p:cNvSpPr/>
-            <p:nvPr/>
-          </p:nvSpPr>
-          <p:spPr>
-            <a:xfrm>
-              <a:off x="1844824" y="6465168"/>
-              <a:ext cx="1656184" cy="648072"/>
-            </a:xfrm>
-            <a:prstGeom prst="roundRect">
-              <a:avLst/>
-            </a:prstGeom>
-            <a:noFill/>
-            <a:ln w="38100">
-              <a:solidFill>
-                <a:srgbClr val="FF0000"/>
-              </a:solidFill>
-            </a:ln>
-          </p:spPr>
-          <p:style>
-            <a:lnRef idx="2">
-              <a:schemeClr val="accent1">
-                <a:shade val="50000"/>
-              </a:schemeClr>
-            </a:lnRef>
-            <a:fillRef idx="1">
-              <a:schemeClr val="accent1"/>
-            </a:fillRef>
-            <a:effectRef idx="0">
-              <a:schemeClr val="accent1"/>
-            </a:effectRef>
-            <a:fontRef idx="minor">
-              <a:schemeClr val="lt1"/>
-            </a:fontRef>
-          </p:style>
-          <p:txBody>
-            <a:bodyPr rtlCol="0" anchor="ctr"/>
-            <a:lstStyle/>
-            <a:p>
-              <a:pPr algn="ctr"/>
-              <a:endParaRPr kumimoji="1" lang="ja-JP" altLang="en-US"/>
-            </a:p>
-          </p:txBody>
-        </p:sp>
-        <p:sp>
-          <p:nvSpPr>
-            <p:cNvPr id="7" name="角丸四角形吹き出し 6"/>
-            <p:cNvSpPr/>
-            <p:nvPr/>
-          </p:nvSpPr>
-          <p:spPr>
-            <a:xfrm>
-              <a:off x="1102432" y="7257256"/>
-              <a:ext cx="2541848" cy="792088"/>
-            </a:xfrm>
-            <a:prstGeom prst="wedgeRoundRectCallout">
-              <a:avLst>
-                <a:gd name="adj1" fmla="val -17474"/>
-                <a:gd name="adj2" fmla="val -62562"/>
-                <a:gd name="adj3" fmla="val 16667"/>
-              </a:avLst>
-            </a:prstGeom>
+          <a:prstGeom prst="rect">
+            <a:avLst/>
+          </a:prstGeom>
+          <a:solidFill>
+            <a:schemeClr val="accent6">
+              <a:lumMod val="20000"/>
+              <a:lumOff val="80000"/>
+            </a:schemeClr>
+          </a:solidFill>
+        </p:spPr>
+        <p:txBody>
+          <a:bodyPr wrap="square" rtlCol="0">
+            <a:spAutoFit/>
+          </a:bodyPr>
+          <a:lstStyle/>
+          <a:p>
+            <a:r>
+              <a:rPr kumimoji="1" lang="en-US" altLang="ja-JP" dirty="0" smtClean="0"/>
+              <a:t>Wix.com</a:t>
+            </a:r>
+            <a:r>
+              <a:rPr kumimoji="1" lang="ja-JP" altLang="en-US" dirty="0" smtClean="0"/>
+              <a:t>でサイトを作る</a:t>
+            </a:r>
+            <a:endParaRPr kumimoji="1" lang="ja-JP" altLang="en-US" dirty="0"/>
+          </a:p>
+        </p:txBody>
+      </p:sp>
+      <p:sp>
+        <p:nvSpPr>
+          <p:cNvPr id="3" name="テキスト ボックス 2"/>
+          <p:cNvSpPr txBox="1"/>
+          <p:nvPr/>
+        </p:nvSpPr>
+        <p:spPr>
+          <a:xfrm>
+            <a:off x="188640" y="560512"/>
+            <a:ext cx="6408712" cy="8217634"/>
+          </a:xfrm>
+          <a:prstGeom prst="rect">
+            <a:avLst/>
+          </a:prstGeom>
+          <a:noFill/>
+        </p:spPr>
+        <p:txBody>
+          <a:bodyPr wrap="square" rtlCol="0">
+            <a:spAutoFit/>
+          </a:bodyPr>
+          <a:lstStyle/>
+          <a:p>
+            <a:r>
+              <a:rPr kumimoji="1" lang="ja-JP" altLang="en-US" sz="1600" dirty="0" smtClean="0"/>
+              <a:t>①　自分の作りたいサイトを学生との会話から聞き出す。</a:t>
+            </a:r>
+            <a:endParaRPr lang="en-US" altLang="ja-JP" sz="1600" dirty="0"/>
+          </a:p>
+          <a:p>
+            <a:r>
+              <a:rPr lang="ja-JP" altLang="en-US" sz="1600" dirty="0" smtClean="0"/>
+              <a:t>　　　</a:t>
+            </a:r>
+            <a:r>
+              <a:rPr lang="en-US" altLang="ja-JP" sz="1600" dirty="0" smtClean="0"/>
+              <a:t>※</a:t>
+            </a:r>
+            <a:r>
+              <a:rPr lang="ja-JP" altLang="en-US" sz="1600" dirty="0" smtClean="0"/>
+              <a:t>話が盛り上がらない場合は、次のような例にする。</a:t>
+            </a:r>
+            <a:endParaRPr lang="en-US" altLang="ja-JP" sz="1600" dirty="0" smtClean="0"/>
+          </a:p>
+          <a:p>
+            <a:pPr>
+              <a:tabLst>
+                <a:tab pos="444500" algn="l"/>
+              </a:tabLst>
+            </a:pPr>
+            <a:r>
+              <a:rPr lang="ja-JP" altLang="en-US" sz="1600" dirty="0" smtClean="0"/>
+              <a:t>　</a:t>
+            </a:r>
+            <a:r>
+              <a:rPr lang="en-US" altLang="ja-JP" sz="1600" dirty="0"/>
+              <a:t>	</a:t>
+            </a:r>
+            <a:r>
+              <a:rPr lang="ja-JP" altLang="en-US" sz="1600" dirty="0" smtClean="0"/>
+              <a:t>　・自己紹介（ポートフォリオ）</a:t>
+            </a:r>
+            <a:endParaRPr lang="en-US" altLang="ja-JP" sz="1600" dirty="0" smtClean="0"/>
+          </a:p>
+          <a:p>
+            <a:pPr>
+              <a:tabLst>
+                <a:tab pos="444500" algn="l"/>
+              </a:tabLst>
+            </a:pPr>
+            <a:r>
+              <a:rPr kumimoji="1" lang="en-US" altLang="ja-JP" sz="1600" dirty="0" smtClean="0"/>
+              <a:t>	</a:t>
+            </a:r>
+            <a:r>
+              <a:rPr kumimoji="1" lang="ja-JP" altLang="en-US" sz="1600" dirty="0" smtClean="0"/>
+              <a:t>　・アニメーションの画像ページ（著作権に注意する　→非公開）</a:t>
+            </a:r>
+            <a:endParaRPr kumimoji="1" lang="en-US" altLang="ja-JP" sz="1600" dirty="0" smtClean="0"/>
+          </a:p>
+          <a:p>
+            <a:pPr>
+              <a:tabLst>
+                <a:tab pos="444500" algn="l"/>
+              </a:tabLst>
+            </a:pPr>
+            <a:r>
+              <a:rPr lang="ja-JP" altLang="en-US" sz="1600" dirty="0" smtClean="0"/>
+              <a:t>　</a:t>
+            </a:r>
+            <a:r>
+              <a:rPr lang="en-US" altLang="ja-JP" sz="1600" dirty="0" smtClean="0"/>
+              <a:t>	※</a:t>
+            </a:r>
+            <a:r>
+              <a:rPr lang="ja-JP" altLang="en-US" sz="1600" dirty="0" smtClean="0"/>
+              <a:t>次の画面はいったんログアウトした時の画面</a:t>
+            </a:r>
+            <a:endParaRPr lang="en-US" altLang="ja-JP" sz="1600" dirty="0" smtClean="0"/>
+          </a:p>
+          <a:p>
+            <a:pPr>
+              <a:tabLst>
+                <a:tab pos="444500" algn="l"/>
+              </a:tabLst>
+            </a:pPr>
+            <a:endParaRPr lang="en-US" altLang="ja-JP" sz="1600" dirty="0"/>
+          </a:p>
+          <a:p>
+            <a:pPr>
+              <a:tabLst>
+                <a:tab pos="444500" algn="l"/>
+              </a:tabLst>
+            </a:pPr>
+            <a:endParaRPr lang="en-US" altLang="ja-JP" sz="1600" dirty="0" smtClean="0"/>
+          </a:p>
+          <a:p>
+            <a:pPr>
+              <a:tabLst>
+                <a:tab pos="444500" algn="l"/>
+              </a:tabLst>
+            </a:pPr>
+            <a:endParaRPr lang="en-US" altLang="ja-JP" sz="1600" dirty="0"/>
+          </a:p>
+          <a:p>
+            <a:pPr>
+              <a:tabLst>
+                <a:tab pos="444500" algn="l"/>
+              </a:tabLst>
+            </a:pPr>
+            <a:endParaRPr lang="en-US" altLang="ja-JP" sz="1600" dirty="0" smtClean="0"/>
+          </a:p>
+          <a:p>
+            <a:pPr>
+              <a:tabLst>
+                <a:tab pos="444500" algn="l"/>
+              </a:tabLst>
+            </a:pPr>
+            <a:endParaRPr lang="en-US" altLang="ja-JP" sz="1600" dirty="0" smtClean="0"/>
+          </a:p>
+          <a:p>
+            <a:pPr>
+              <a:tabLst>
+                <a:tab pos="444500" algn="l"/>
+              </a:tabLst>
+            </a:pPr>
+            <a:endParaRPr kumimoji="1" lang="en-US" altLang="ja-JP" sz="1600" dirty="0" smtClean="0"/>
+          </a:p>
+          <a:p>
+            <a:pPr>
+              <a:tabLst>
+                <a:tab pos="444500" algn="l"/>
+              </a:tabLst>
+            </a:pPr>
+            <a:endParaRPr kumimoji="1" lang="en-US" altLang="ja-JP" sz="1600" dirty="0" smtClean="0"/>
+          </a:p>
+          <a:p>
+            <a:pPr>
+              <a:tabLst>
+                <a:tab pos="444500" algn="l"/>
+              </a:tabLst>
+            </a:pPr>
+            <a:endParaRPr lang="en-US" altLang="ja-JP" sz="1600" dirty="0"/>
+          </a:p>
+          <a:p>
+            <a:pPr>
+              <a:tabLst>
+                <a:tab pos="444500" algn="l"/>
+              </a:tabLst>
+            </a:pPr>
+            <a:endParaRPr kumimoji="1" lang="en-US" altLang="ja-JP" sz="1600" dirty="0" smtClean="0"/>
+          </a:p>
+          <a:p>
+            <a:pPr>
+              <a:tabLst>
+                <a:tab pos="444500" algn="l"/>
+              </a:tabLst>
+            </a:pPr>
+            <a:endParaRPr lang="en-US" altLang="ja-JP" sz="1600" dirty="0"/>
+          </a:p>
+          <a:p>
+            <a:pPr>
+              <a:tabLst>
+                <a:tab pos="444500" algn="l"/>
+              </a:tabLst>
+            </a:pPr>
+            <a:endParaRPr kumimoji="1" lang="en-US" altLang="ja-JP" sz="1600" dirty="0" smtClean="0"/>
+          </a:p>
+          <a:p>
+            <a:pPr>
+              <a:tabLst>
+                <a:tab pos="444500" algn="l"/>
+              </a:tabLst>
+            </a:pPr>
+            <a:r>
+              <a:rPr lang="ja-JP" altLang="en-US" sz="1600" dirty="0" smtClean="0"/>
+              <a:t>②　サイトの編集を行います。</a:t>
+            </a:r>
+            <a:endParaRPr lang="en-US" altLang="ja-JP" sz="1600" dirty="0" smtClean="0"/>
+          </a:p>
+          <a:p>
+            <a:pPr>
+              <a:tabLst>
+                <a:tab pos="444500" algn="l"/>
+              </a:tabLst>
+            </a:pPr>
+            <a:r>
+              <a:rPr lang="ja-JP" altLang="en-US" sz="1600" dirty="0"/>
+              <a:t>　</a:t>
+            </a:r>
+            <a:r>
+              <a:rPr lang="en-US" altLang="ja-JP" sz="1600" dirty="0"/>
+              <a:t>	</a:t>
+            </a:r>
+            <a:r>
+              <a:rPr lang="ja-JP" altLang="en-US" sz="1600" dirty="0" smtClean="0"/>
+              <a:t>「簡易アクション」⇒「サイトを編集」</a:t>
+            </a:r>
+            <a:endParaRPr lang="en-US" altLang="ja-JP" sz="1600" dirty="0" smtClean="0"/>
+          </a:p>
+          <a:p>
+            <a:pPr>
+              <a:tabLst>
+                <a:tab pos="444500" algn="l"/>
+              </a:tabLst>
+            </a:pPr>
+            <a:endParaRPr kumimoji="1" lang="en-US" altLang="ja-JP" sz="1600" dirty="0" smtClean="0"/>
+          </a:p>
+          <a:p>
+            <a:pPr>
+              <a:tabLst>
+                <a:tab pos="444500" algn="l"/>
+              </a:tabLst>
+            </a:pPr>
+            <a:endParaRPr lang="en-US" altLang="ja-JP" sz="1600" dirty="0"/>
+          </a:p>
+          <a:p>
+            <a:pPr>
+              <a:tabLst>
+                <a:tab pos="444500" algn="l"/>
+              </a:tabLst>
+            </a:pPr>
+            <a:endParaRPr kumimoji="1" lang="en-US" altLang="ja-JP" sz="1600" dirty="0" smtClean="0"/>
+          </a:p>
+          <a:p>
+            <a:pPr>
+              <a:tabLst>
+                <a:tab pos="444500" algn="l"/>
+              </a:tabLst>
+            </a:pPr>
+            <a:endParaRPr lang="en-US" altLang="ja-JP" sz="1600" dirty="0"/>
+          </a:p>
+          <a:p>
+            <a:pPr>
+              <a:tabLst>
+                <a:tab pos="444500" algn="l"/>
+              </a:tabLst>
+            </a:pPr>
+            <a:endParaRPr kumimoji="1" lang="en-US" altLang="ja-JP" sz="1600" dirty="0" smtClean="0"/>
+          </a:p>
+          <a:p>
+            <a:pPr>
+              <a:tabLst>
+                <a:tab pos="444500" algn="l"/>
+              </a:tabLst>
+            </a:pPr>
+            <a:endParaRPr lang="en-US" altLang="ja-JP" sz="1600" dirty="0"/>
+          </a:p>
+          <a:p>
+            <a:pPr>
+              <a:tabLst>
+                <a:tab pos="444500" algn="l"/>
+              </a:tabLst>
+            </a:pPr>
+            <a:endParaRPr kumimoji="1" lang="en-US" altLang="ja-JP" sz="1600" dirty="0" smtClean="0"/>
+          </a:p>
+          <a:p>
+            <a:pPr>
+              <a:tabLst>
+                <a:tab pos="444500" algn="l"/>
+              </a:tabLst>
+            </a:pPr>
+            <a:endParaRPr lang="en-US" altLang="ja-JP" sz="1600" dirty="0"/>
+          </a:p>
+          <a:p>
+            <a:pPr>
+              <a:tabLst>
+                <a:tab pos="444500" algn="l"/>
+              </a:tabLst>
+            </a:pPr>
+            <a:endParaRPr kumimoji="1" lang="en-US" altLang="ja-JP" sz="1600" dirty="0" smtClean="0"/>
+          </a:p>
+          <a:p>
+            <a:pPr>
+              <a:tabLst>
+                <a:tab pos="444500" algn="l"/>
+              </a:tabLst>
+            </a:pPr>
+            <a:endParaRPr lang="en-US" altLang="ja-JP" sz="1600" dirty="0"/>
+          </a:p>
+          <a:p>
+            <a:pPr>
+              <a:tabLst>
+                <a:tab pos="444500" algn="l"/>
+              </a:tabLst>
+            </a:pPr>
+            <a:endParaRPr kumimoji="1" lang="en-US" altLang="ja-JP" sz="1600" dirty="0" smtClean="0"/>
+          </a:p>
+          <a:p>
+            <a:pPr>
+              <a:tabLst>
+                <a:tab pos="444500" algn="l"/>
+              </a:tabLst>
+            </a:pPr>
+            <a:endParaRPr lang="en-US" altLang="ja-JP" sz="1600" dirty="0"/>
+          </a:p>
+          <a:p>
+            <a:pPr>
+              <a:tabLst>
+                <a:tab pos="444500" algn="l"/>
+              </a:tabLst>
+            </a:pPr>
+            <a:endParaRPr kumimoji="1" lang="en-US" altLang="ja-JP" sz="1600" dirty="0" smtClean="0"/>
+          </a:p>
+          <a:p>
+            <a:pPr>
+              <a:tabLst>
+                <a:tab pos="444500" algn="l"/>
+              </a:tabLst>
+            </a:pPr>
+            <a:endParaRPr lang="en-US" altLang="ja-JP" sz="1600" dirty="0"/>
+          </a:p>
+          <a:p>
+            <a:pPr>
+              <a:tabLst>
+                <a:tab pos="444500" algn="l"/>
+              </a:tabLst>
+            </a:pPr>
+            <a:endParaRPr kumimoji="1" lang="en-US" altLang="ja-JP" sz="1600" dirty="0" smtClean="0"/>
+          </a:p>
+        </p:txBody>
+      </p:sp>
+      <p:pic>
+        <p:nvPicPr>
+          <p:cNvPr id="9" name="図 8" descr="画面の領域"/>
+          <p:cNvPicPr>
+            <a:picLocks noChangeAspect="1"/>
+          </p:cNvPicPr>
+          <p:nvPr/>
+        </p:nvPicPr>
+        <p:blipFill>
+          <a:blip r:embed="rId2">
+            <a:extLst>
+              <a:ext uri="{28A0092B-C50C-407E-A947-70E740481C1C}">
+                <a14:useLocalDpi xmlns:a14="http://schemas.microsoft.com/office/drawing/2010/main" val="0"/>
+              </a:ext>
+            </a:extLst>
+          </a:blip>
+          <a:stretch>
+            <a:fillRect/>
+          </a:stretch>
+        </p:blipFill>
+        <p:spPr>
+          <a:xfrm>
+            <a:off x="850404" y="2000672"/>
+            <a:ext cx="5085184" cy="2333098"/>
+          </a:xfrm>
+          <a:prstGeom prst="rect">
+            <a:avLst/>
+          </a:prstGeom>
+        </p:spPr>
+      </p:pic>
+      <p:pic>
+        <p:nvPicPr>
+          <p:cNvPr id="10" name="図 9"/>
+          <p:cNvPicPr>
+            <a:picLocks noChangeAspect="1"/>
+          </p:cNvPicPr>
+          <p:nvPr/>
+        </p:nvPicPr>
+        <p:blipFill rotWithShape="1">
+          <a:blip r:embed="rId3"/>
+          <a:srcRect l="399" r="40151" b="21563"/>
+          <a:stretch/>
+        </p:blipFill>
+        <p:spPr>
+          <a:xfrm>
+            <a:off x="1354460" y="5169024"/>
+            <a:ext cx="4077072" cy="3024336"/>
+          </a:xfrm>
+          <a:prstGeom prst="rect">
+            <a:avLst/>
+          </a:prstGeom>
+        </p:spPr>
+      </p:pic>
+      <p:sp>
+        <p:nvSpPr>
+          <p:cNvPr id="11" name="角丸四角形 10"/>
+          <p:cNvSpPr/>
+          <p:nvPr/>
+        </p:nvSpPr>
+        <p:spPr>
+          <a:xfrm>
+            <a:off x="3645024" y="6681192"/>
+            <a:ext cx="1224136" cy="432048"/>
+          </a:xfrm>
+          <a:prstGeom prst="roundRect">
+            <a:avLst/>
+          </a:prstGeom>
+          <a:noFill/>
+          <a:ln w="38100">
             <a:solidFill>
-              <a:schemeClr val="bg1"/>
+              <a:srgbClr val="FF0000"/>
             </a:solidFill>
-          </p:spPr>
-          <p:style>
-            <a:lnRef idx="2">
-              <a:schemeClr val="accent1">
-                <a:shade val="50000"/>
-              </a:schemeClr>
-            </a:lnRef>
-            <a:fillRef idx="1">
-              <a:schemeClr val="accent1"/>
-            </a:fillRef>
-            <a:effectRef idx="0">
-              <a:schemeClr val="accent1"/>
-            </a:effectRef>
-            <a:fontRef idx="minor">
-              <a:schemeClr val="lt1"/>
-            </a:fontRef>
-          </p:style>
-          <p:txBody>
-            <a:bodyPr rtlCol="0" anchor="ctr"/>
-            <a:lstStyle/>
-            <a:p>
-              <a:r>
-                <a:rPr kumimoji="1" lang="ja-JP" altLang="en-US" sz="1400" dirty="0" smtClean="0">
-                  <a:solidFill>
-                    <a:srgbClr val="FF0000"/>
-                  </a:solidFill>
-                </a:rPr>
-                <a:t>自分のメールアドレスと</a:t>
-              </a:r>
-              <a:endParaRPr kumimoji="1" lang="en-US" altLang="ja-JP" sz="1400" dirty="0" smtClean="0">
-                <a:solidFill>
-                  <a:srgbClr val="FF0000"/>
-                </a:solidFill>
-              </a:endParaRPr>
-            </a:p>
-            <a:p>
-              <a:r>
-                <a:rPr kumimoji="1" lang="ja-JP" altLang="en-US" sz="1400" dirty="0" smtClean="0">
-                  <a:solidFill>
-                    <a:srgbClr val="FF0000"/>
-                  </a:solidFill>
-                </a:rPr>
-                <a:t>パスワードを入力します。</a:t>
-              </a:r>
-              <a:endParaRPr kumimoji="1" lang="ja-JP" altLang="en-US" sz="1400" dirty="0">
-                <a:solidFill>
-                  <a:srgbClr val="FF0000"/>
-                </a:solidFill>
-              </a:endParaRPr>
-            </a:p>
-          </p:txBody>
-        </p:sp>
-        <p:sp>
-          <p:nvSpPr>
-            <p:cNvPr id="8" name="角丸四角形吹き出し 7"/>
-            <p:cNvSpPr/>
-            <p:nvPr/>
-          </p:nvSpPr>
-          <p:spPr>
-            <a:xfrm>
-              <a:off x="3933056" y="7257256"/>
-              <a:ext cx="1944216" cy="792088"/>
-            </a:xfrm>
-            <a:prstGeom prst="wedgeRoundRectCallout">
-              <a:avLst>
-                <a:gd name="adj1" fmla="val -22793"/>
-                <a:gd name="adj2" fmla="val -63163"/>
-                <a:gd name="adj3" fmla="val 16667"/>
-              </a:avLst>
-            </a:prstGeom>
-            <a:solidFill>
-              <a:schemeClr val="bg1"/>
-            </a:solidFill>
-          </p:spPr>
-          <p:style>
-            <a:lnRef idx="2">
-              <a:schemeClr val="accent1">
-                <a:shade val="50000"/>
-              </a:schemeClr>
-            </a:lnRef>
-            <a:fillRef idx="1">
-              <a:schemeClr val="accent1"/>
-            </a:fillRef>
-            <a:effectRef idx="0">
-              <a:schemeClr val="accent1"/>
-            </a:effectRef>
-            <a:fontRef idx="minor">
-              <a:schemeClr val="lt1"/>
-            </a:fontRef>
-          </p:style>
-          <p:txBody>
-            <a:bodyPr rtlCol="0" anchor="ctr"/>
-            <a:lstStyle/>
-            <a:p>
-              <a:r>
-                <a:rPr kumimoji="1" lang="ja-JP" altLang="en-US" sz="1200" b="1" dirty="0" smtClean="0">
-                  <a:solidFill>
-                    <a:srgbClr val="FF0000"/>
-                  </a:solidFill>
-                </a:rPr>
-                <a:t>自分のアカウントを持っていて使う場合には、こちらをクリックします。</a:t>
-              </a:r>
-              <a:endParaRPr kumimoji="1" lang="ja-JP" altLang="en-US" sz="1200" b="1" dirty="0">
-                <a:solidFill>
-                  <a:srgbClr val="FF0000"/>
-                </a:solidFill>
-              </a:endParaRPr>
-            </a:p>
-          </p:txBody>
-        </p:sp>
-      </p:grpSp>
+          </a:ln>
+        </p:spPr>
+        <p:style>
+          <a:lnRef idx="2">
+            <a:schemeClr val="accent1">
+              <a:shade val="50000"/>
+            </a:schemeClr>
+          </a:lnRef>
+          <a:fillRef idx="1">
+            <a:schemeClr val="accent1"/>
+          </a:fillRef>
+          <a:effectRef idx="0">
+            <a:schemeClr val="accent1"/>
+          </a:effectRef>
+          <a:fontRef idx="minor">
+            <a:schemeClr val="lt1"/>
+          </a:fontRef>
+        </p:style>
+        <p:txBody>
+          <a:bodyPr rtlCol="0" anchor="ctr"/>
+          <a:lstStyle/>
+          <a:p>
+            <a:pPr algn="ctr"/>
+            <a:endParaRPr kumimoji="1" lang="ja-JP" altLang="en-US"/>
+          </a:p>
+        </p:txBody>
+      </p:sp>
     </p:spTree>
     <p:extLst>
       <p:ext uri="{BB962C8B-B14F-4D97-AF65-F5344CB8AC3E}">
@@ -6609,6 +6880,737 @@
       </p:par>
     </p:tnLst>
   </p:timing>
+</p:sld>
+</file>
+
+<file path=ppt/slides/slide8.xml><?xml version="1.0" encoding="utf-8"?>
+<p:sld xmlns:a="http://schemas.openxmlformats.org/drawingml/2006/main" xmlns:r="http://schemas.openxmlformats.org/officeDocument/2006/relationships" xmlns:p="http://schemas.openxmlformats.org/presentationml/2006/main">
+  <p:cSld>
+    <p:spTree>
+      <p:nvGrpSpPr>
+        <p:cNvPr id="1" name=""/>
+        <p:cNvGrpSpPr/>
+        <p:nvPr/>
+      </p:nvGrpSpPr>
+      <p:grpSpPr>
+        <a:xfrm>
+          <a:off x="0" y="0"/>
+          <a:ext cx="0" cy="0"/>
+          <a:chOff x="0" y="0"/>
+          <a:chExt cx="0" cy="0"/>
+        </a:xfrm>
+      </p:grpSpPr>
+      <p:sp>
+        <p:nvSpPr>
+          <p:cNvPr id="2" name="テキスト ボックス 1"/>
+          <p:cNvSpPr txBox="1"/>
+          <p:nvPr/>
+        </p:nvSpPr>
+        <p:spPr>
+          <a:xfrm>
+            <a:off x="44151" y="586193"/>
+            <a:ext cx="6408712" cy="7971413"/>
+          </a:xfrm>
+          <a:prstGeom prst="rect">
+            <a:avLst/>
+          </a:prstGeom>
+          <a:noFill/>
+        </p:spPr>
+        <p:txBody>
+          <a:bodyPr wrap="square" rtlCol="0">
+            <a:spAutoFit/>
+          </a:bodyPr>
+          <a:lstStyle/>
+          <a:p>
+            <a:r>
+              <a:rPr lang="ja-JP" altLang="en-US" sz="1600" dirty="0"/>
+              <a:t>③</a:t>
+            </a:r>
+            <a:r>
+              <a:rPr kumimoji="1" lang="ja-JP" altLang="en-US" sz="1600" dirty="0" smtClean="0"/>
+              <a:t>　ベースの画面が表示されたら、ヘッダーの部分を編集します。</a:t>
+            </a:r>
+            <a:endParaRPr kumimoji="1" lang="en-US" altLang="ja-JP" sz="1600" dirty="0" smtClean="0"/>
+          </a:p>
+          <a:p>
+            <a:endParaRPr lang="en-US" altLang="ja-JP" sz="1600" dirty="0"/>
+          </a:p>
+          <a:p>
+            <a:endParaRPr kumimoji="1" lang="en-US" altLang="ja-JP" sz="1600" dirty="0" smtClean="0"/>
+          </a:p>
+          <a:p>
+            <a:endParaRPr lang="en-US" altLang="ja-JP" sz="1600" dirty="0"/>
+          </a:p>
+          <a:p>
+            <a:endParaRPr kumimoji="1" lang="en-US" altLang="ja-JP" sz="1600" dirty="0" smtClean="0"/>
+          </a:p>
+          <a:p>
+            <a:endParaRPr lang="en-US" altLang="ja-JP" sz="1600" dirty="0" smtClean="0"/>
+          </a:p>
+          <a:p>
+            <a:pPr>
+              <a:tabLst>
+                <a:tab pos="444500" algn="l"/>
+              </a:tabLst>
+            </a:pPr>
+            <a:endParaRPr lang="en-US" altLang="ja-JP" sz="1600" dirty="0" smtClean="0"/>
+          </a:p>
+          <a:p>
+            <a:pPr>
+              <a:tabLst>
+                <a:tab pos="444500" algn="l"/>
+              </a:tabLst>
+            </a:pPr>
+            <a:endParaRPr lang="en-US" altLang="ja-JP" sz="1600" dirty="0"/>
+          </a:p>
+          <a:p>
+            <a:pPr>
+              <a:tabLst>
+                <a:tab pos="444500" algn="l"/>
+              </a:tabLst>
+            </a:pPr>
+            <a:endParaRPr kumimoji="1" lang="en-US" altLang="ja-JP" sz="1600" dirty="0" smtClean="0"/>
+          </a:p>
+          <a:p>
+            <a:pPr>
+              <a:tabLst>
+                <a:tab pos="444500" algn="l"/>
+              </a:tabLst>
+            </a:pPr>
+            <a:endParaRPr lang="en-US" altLang="ja-JP" sz="1600" dirty="0"/>
+          </a:p>
+          <a:p>
+            <a:pPr>
+              <a:tabLst>
+                <a:tab pos="444500" algn="l"/>
+              </a:tabLst>
+            </a:pPr>
+            <a:endParaRPr kumimoji="1" lang="en-US" altLang="ja-JP" sz="1600" dirty="0" smtClean="0"/>
+          </a:p>
+          <a:p>
+            <a:pPr>
+              <a:tabLst>
+                <a:tab pos="444500" algn="l"/>
+              </a:tabLst>
+            </a:pPr>
+            <a:r>
+              <a:rPr lang="ja-JP" altLang="en-US" sz="1600" dirty="0" smtClean="0"/>
+              <a:t>④　画面の左サイドに表示されるメニューの中で表示するものを選択する</a:t>
+            </a:r>
+            <a:endParaRPr lang="en-US" altLang="ja-JP" sz="1600" dirty="0" smtClean="0"/>
+          </a:p>
+          <a:p>
+            <a:pPr>
+              <a:tabLst>
+                <a:tab pos="444500" algn="l"/>
+              </a:tabLst>
+            </a:pPr>
+            <a:r>
+              <a:rPr lang="ja-JP" altLang="en-US" sz="1600" dirty="0"/>
+              <a:t>　</a:t>
+            </a:r>
+            <a:r>
+              <a:rPr lang="en-US" altLang="ja-JP" sz="1600" dirty="0"/>
+              <a:t>	</a:t>
+            </a:r>
+            <a:r>
+              <a:rPr lang="ja-JP" altLang="en-US" sz="1600" dirty="0" smtClean="0"/>
+              <a:t>・項目名の右側にある〇をクリックして表示・非表示を切り替える</a:t>
+            </a:r>
+            <a:endParaRPr lang="en-US" altLang="ja-JP" sz="1600" dirty="0" smtClean="0"/>
+          </a:p>
+          <a:p>
+            <a:pPr>
+              <a:tabLst>
+                <a:tab pos="444500" algn="l"/>
+              </a:tabLst>
+            </a:pPr>
+            <a:r>
+              <a:rPr kumimoji="1" lang="en-US" altLang="ja-JP" sz="1600" dirty="0" smtClean="0"/>
+              <a:t>	</a:t>
+            </a:r>
+            <a:r>
+              <a:rPr kumimoji="1" lang="ja-JP" altLang="en-US" sz="1600" dirty="0" smtClean="0"/>
+              <a:t>・入力が必要な項目に文字を入力する。</a:t>
+            </a:r>
+            <a:r>
+              <a:rPr kumimoji="1" lang="en-US" altLang="ja-JP" sz="1600" dirty="0" smtClean="0"/>
+              <a:t>	</a:t>
+            </a:r>
+          </a:p>
+          <a:p>
+            <a:pPr>
+              <a:tabLst>
+                <a:tab pos="444500" algn="l"/>
+              </a:tabLst>
+            </a:pPr>
+            <a:endParaRPr kumimoji="1" lang="en-US" altLang="ja-JP" sz="1600" dirty="0" smtClean="0"/>
+          </a:p>
+          <a:p>
+            <a:pPr>
+              <a:tabLst>
+                <a:tab pos="444500" algn="l"/>
+              </a:tabLst>
+            </a:pPr>
+            <a:endParaRPr lang="en-US" altLang="ja-JP" sz="1600" dirty="0"/>
+          </a:p>
+          <a:p>
+            <a:pPr>
+              <a:tabLst>
+                <a:tab pos="444500" algn="l"/>
+              </a:tabLst>
+            </a:pPr>
+            <a:endParaRPr kumimoji="1" lang="en-US" altLang="ja-JP" sz="1600" dirty="0" smtClean="0"/>
+          </a:p>
+          <a:p>
+            <a:pPr>
+              <a:tabLst>
+                <a:tab pos="444500" algn="l"/>
+              </a:tabLst>
+            </a:pPr>
+            <a:endParaRPr lang="en-US" altLang="ja-JP" sz="1600" dirty="0"/>
+          </a:p>
+          <a:p>
+            <a:pPr>
+              <a:tabLst>
+                <a:tab pos="444500" algn="l"/>
+              </a:tabLst>
+            </a:pPr>
+            <a:endParaRPr kumimoji="1" lang="en-US" altLang="ja-JP" sz="1600" dirty="0" smtClean="0"/>
+          </a:p>
+          <a:p>
+            <a:pPr>
+              <a:tabLst>
+                <a:tab pos="444500" algn="l"/>
+              </a:tabLst>
+            </a:pPr>
+            <a:endParaRPr lang="en-US" altLang="ja-JP" sz="1600" dirty="0"/>
+          </a:p>
+          <a:p>
+            <a:pPr>
+              <a:tabLst>
+                <a:tab pos="444500" algn="l"/>
+              </a:tabLst>
+            </a:pPr>
+            <a:endParaRPr kumimoji="1" lang="en-US" altLang="ja-JP" sz="1600" dirty="0" smtClean="0"/>
+          </a:p>
+          <a:p>
+            <a:pPr>
+              <a:tabLst>
+                <a:tab pos="444500" algn="l"/>
+              </a:tabLst>
+            </a:pPr>
+            <a:endParaRPr lang="en-US" altLang="ja-JP" sz="1600" dirty="0"/>
+          </a:p>
+          <a:p>
+            <a:pPr>
+              <a:tabLst>
+                <a:tab pos="444500" algn="l"/>
+              </a:tabLst>
+            </a:pPr>
+            <a:endParaRPr kumimoji="1" lang="en-US" altLang="ja-JP" sz="1600" dirty="0" smtClean="0"/>
+          </a:p>
+          <a:p>
+            <a:pPr>
+              <a:tabLst>
+                <a:tab pos="444500" algn="l"/>
+              </a:tabLst>
+            </a:pPr>
+            <a:endParaRPr lang="en-US" altLang="ja-JP" sz="1600" dirty="0"/>
+          </a:p>
+          <a:p>
+            <a:pPr>
+              <a:tabLst>
+                <a:tab pos="444500" algn="l"/>
+              </a:tabLst>
+            </a:pPr>
+            <a:endParaRPr kumimoji="1" lang="en-US" altLang="ja-JP" sz="1600" dirty="0" smtClean="0"/>
+          </a:p>
+          <a:p>
+            <a:pPr>
+              <a:tabLst>
+                <a:tab pos="444500" algn="l"/>
+              </a:tabLst>
+            </a:pPr>
+            <a:endParaRPr lang="en-US" altLang="ja-JP" sz="1600" dirty="0"/>
+          </a:p>
+          <a:p>
+            <a:pPr>
+              <a:tabLst>
+                <a:tab pos="444500" algn="l"/>
+              </a:tabLst>
+            </a:pPr>
+            <a:endParaRPr kumimoji="1" lang="en-US" altLang="ja-JP" sz="1600" dirty="0" smtClean="0"/>
+          </a:p>
+          <a:p>
+            <a:pPr>
+              <a:tabLst>
+                <a:tab pos="444500" algn="l"/>
+              </a:tabLst>
+            </a:pPr>
+            <a:endParaRPr lang="en-US" altLang="ja-JP" sz="1600" dirty="0"/>
+          </a:p>
+          <a:p>
+            <a:pPr>
+              <a:tabLst>
+                <a:tab pos="444500" algn="l"/>
+              </a:tabLst>
+            </a:pPr>
+            <a:endParaRPr kumimoji="1" lang="en-US" altLang="ja-JP" sz="1600" dirty="0" smtClean="0"/>
+          </a:p>
+          <a:p>
+            <a:pPr>
+              <a:tabLst>
+                <a:tab pos="444500" algn="l"/>
+              </a:tabLst>
+            </a:pPr>
+            <a:endParaRPr lang="en-US" altLang="ja-JP" sz="1600" dirty="0"/>
+          </a:p>
+          <a:p>
+            <a:pPr>
+              <a:tabLst>
+                <a:tab pos="444500" algn="l"/>
+              </a:tabLst>
+            </a:pPr>
+            <a:endParaRPr kumimoji="1" lang="en-US" altLang="ja-JP" sz="1600" dirty="0" smtClean="0"/>
+          </a:p>
+        </p:txBody>
+      </p:sp>
+      <p:pic>
+        <p:nvPicPr>
+          <p:cNvPr id="3" name="図 2"/>
+          <p:cNvPicPr>
+            <a:picLocks noChangeAspect="1"/>
+          </p:cNvPicPr>
+          <p:nvPr/>
+        </p:nvPicPr>
+        <p:blipFill rotWithShape="1">
+          <a:blip r:embed="rId2"/>
+          <a:srcRect t="8913" r="11151" b="38795"/>
+          <a:stretch/>
+        </p:blipFill>
+        <p:spPr>
+          <a:xfrm>
+            <a:off x="663538" y="992560"/>
+            <a:ext cx="5458916" cy="1806314"/>
+          </a:xfrm>
+          <a:prstGeom prst="rect">
+            <a:avLst/>
+          </a:prstGeom>
+        </p:spPr>
+      </p:pic>
+      <p:sp>
+        <p:nvSpPr>
+          <p:cNvPr id="4" name="角丸四角形吹き出し 3"/>
+          <p:cNvSpPr/>
+          <p:nvPr/>
+        </p:nvSpPr>
+        <p:spPr>
+          <a:xfrm>
+            <a:off x="4055647" y="2288704"/>
+            <a:ext cx="2304256" cy="785974"/>
+          </a:xfrm>
+          <a:prstGeom prst="wedgeRoundRectCallout">
+            <a:avLst>
+              <a:gd name="adj1" fmla="val -28614"/>
+              <a:gd name="adj2" fmla="val -65553"/>
+              <a:gd name="adj3" fmla="val 16667"/>
+            </a:avLst>
+          </a:prstGeom>
+        </p:spPr>
+        <p:style>
+          <a:lnRef idx="2">
+            <a:schemeClr val="accent6"/>
+          </a:lnRef>
+          <a:fillRef idx="1">
+            <a:schemeClr val="lt1"/>
+          </a:fillRef>
+          <a:effectRef idx="0">
+            <a:schemeClr val="accent6"/>
+          </a:effectRef>
+          <a:fontRef idx="minor">
+            <a:schemeClr val="dk1"/>
+          </a:fontRef>
+        </p:style>
+        <p:txBody>
+          <a:bodyPr rtlCol="0" anchor="ctr"/>
+          <a:lstStyle/>
+          <a:p>
+            <a:pPr algn="ctr"/>
+            <a:r>
+              <a:rPr kumimoji="1" lang="ja-JP" altLang="en-US" dirty="0" smtClean="0"/>
+              <a:t>①　ヘッダー部分を</a:t>
+            </a:r>
+            <a:endParaRPr kumimoji="1" lang="en-US" altLang="ja-JP" dirty="0" smtClean="0"/>
+          </a:p>
+          <a:p>
+            <a:pPr algn="ctr"/>
+            <a:r>
+              <a:rPr kumimoji="1" lang="ja-JP" altLang="en-US" dirty="0" smtClean="0"/>
+              <a:t>クリックする</a:t>
+            </a:r>
+            <a:endParaRPr kumimoji="1" lang="ja-JP" altLang="en-US" dirty="0"/>
+          </a:p>
+        </p:txBody>
+      </p:sp>
+      <p:sp>
+        <p:nvSpPr>
+          <p:cNvPr id="5" name="角丸四角形吹き出し 4"/>
+          <p:cNvSpPr/>
+          <p:nvPr/>
+        </p:nvSpPr>
+        <p:spPr>
+          <a:xfrm>
+            <a:off x="1268760" y="2000672"/>
+            <a:ext cx="1656184" cy="648072"/>
+          </a:xfrm>
+          <a:prstGeom prst="wedgeRoundRectCallout">
+            <a:avLst>
+              <a:gd name="adj1" fmla="val -47698"/>
+              <a:gd name="adj2" fmla="val -74446"/>
+              <a:gd name="adj3" fmla="val 16667"/>
+            </a:avLst>
+          </a:prstGeom>
+        </p:spPr>
+        <p:style>
+          <a:lnRef idx="2">
+            <a:schemeClr val="accent6"/>
+          </a:lnRef>
+          <a:fillRef idx="1">
+            <a:schemeClr val="lt1"/>
+          </a:fillRef>
+          <a:effectRef idx="0">
+            <a:schemeClr val="accent6"/>
+          </a:effectRef>
+          <a:fontRef idx="minor">
+            <a:schemeClr val="dk1"/>
+          </a:fontRef>
+        </p:style>
+        <p:txBody>
+          <a:bodyPr rtlCol="0" anchor="ctr"/>
+          <a:lstStyle/>
+          <a:p>
+            <a:pPr algn="ctr"/>
+            <a:r>
+              <a:rPr kumimoji="1" lang="ja-JP" altLang="en-US" dirty="0" smtClean="0"/>
+              <a:t>②　「編集」をクリック</a:t>
+            </a:r>
+            <a:endParaRPr kumimoji="1" lang="ja-JP" altLang="en-US" dirty="0"/>
+          </a:p>
+        </p:txBody>
+      </p:sp>
+      <p:pic>
+        <p:nvPicPr>
+          <p:cNvPr id="6" name="図 5" descr="画面の領域"/>
+          <p:cNvPicPr>
+            <a:picLocks noChangeAspect="1"/>
+          </p:cNvPicPr>
+          <p:nvPr/>
+        </p:nvPicPr>
+        <p:blipFill>
+          <a:blip r:embed="rId3">
+            <a:extLst>
+              <a:ext uri="{28A0092B-C50C-407E-A947-70E740481C1C}">
+                <a14:useLocalDpi xmlns:a14="http://schemas.microsoft.com/office/drawing/2010/main" val="0"/>
+              </a:ext>
+            </a:extLst>
+          </a:blip>
+          <a:stretch>
+            <a:fillRect/>
+          </a:stretch>
+        </p:blipFill>
+        <p:spPr>
+          <a:xfrm>
+            <a:off x="1333766" y="4128934"/>
+            <a:ext cx="4118459" cy="3664356"/>
+          </a:xfrm>
+          <a:prstGeom prst="rect">
+            <a:avLst/>
+          </a:prstGeom>
+        </p:spPr>
+      </p:pic>
+      <p:sp>
+        <p:nvSpPr>
+          <p:cNvPr id="7" name="角丸四角形吹き出し 6"/>
+          <p:cNvSpPr/>
+          <p:nvPr/>
+        </p:nvSpPr>
+        <p:spPr>
+          <a:xfrm>
+            <a:off x="3645024" y="5097016"/>
+            <a:ext cx="2016224" cy="864096"/>
+          </a:xfrm>
+          <a:prstGeom prst="wedgeRoundRectCallout">
+            <a:avLst>
+              <a:gd name="adj1" fmla="val -59861"/>
+              <a:gd name="adj2" fmla="val 57313"/>
+              <a:gd name="adj3" fmla="val 16667"/>
+            </a:avLst>
+          </a:prstGeom>
+        </p:spPr>
+        <p:style>
+          <a:lnRef idx="2">
+            <a:schemeClr val="accent6"/>
+          </a:lnRef>
+          <a:fillRef idx="1">
+            <a:schemeClr val="lt1"/>
+          </a:fillRef>
+          <a:effectRef idx="0">
+            <a:schemeClr val="accent6"/>
+          </a:effectRef>
+          <a:fontRef idx="minor">
+            <a:schemeClr val="dk1"/>
+          </a:fontRef>
+        </p:style>
+        <p:txBody>
+          <a:bodyPr rtlCol="0" anchor="ctr"/>
+          <a:lstStyle/>
+          <a:p>
+            <a:r>
+              <a:rPr kumimoji="1" lang="ja-JP" altLang="en-US" dirty="0" smtClean="0"/>
+              <a:t>ここをチェックして</a:t>
+            </a:r>
+            <a:endParaRPr kumimoji="1" lang="en-US" altLang="ja-JP" dirty="0" smtClean="0"/>
+          </a:p>
+          <a:p>
+            <a:r>
+              <a:rPr kumimoji="1" lang="ja-JP" altLang="en-US" dirty="0" smtClean="0"/>
+              <a:t>表示・非表示の</a:t>
+            </a:r>
+            <a:endParaRPr kumimoji="1" lang="en-US" altLang="ja-JP" dirty="0" smtClean="0"/>
+          </a:p>
+          <a:p>
+            <a:r>
+              <a:rPr kumimoji="1" lang="ja-JP" altLang="en-US" dirty="0" smtClean="0"/>
+              <a:t>切り替え</a:t>
+            </a:r>
+            <a:endParaRPr kumimoji="1" lang="ja-JP" altLang="en-US" dirty="0"/>
+          </a:p>
+        </p:txBody>
+      </p:sp>
+      <p:sp>
+        <p:nvSpPr>
+          <p:cNvPr id="8" name="角丸四角形吹き出し 7"/>
+          <p:cNvSpPr/>
+          <p:nvPr/>
+        </p:nvSpPr>
+        <p:spPr>
+          <a:xfrm>
+            <a:off x="2096852" y="6825208"/>
+            <a:ext cx="2412268" cy="864096"/>
+          </a:xfrm>
+          <a:prstGeom prst="wedgeRoundRectCallout">
+            <a:avLst>
+              <a:gd name="adj1" fmla="val -44989"/>
+              <a:gd name="adj2" fmla="val -63033"/>
+              <a:gd name="adj3" fmla="val 16667"/>
+            </a:avLst>
+          </a:prstGeom>
+        </p:spPr>
+        <p:style>
+          <a:lnRef idx="2">
+            <a:schemeClr val="accent6"/>
+          </a:lnRef>
+          <a:fillRef idx="1">
+            <a:schemeClr val="lt1"/>
+          </a:fillRef>
+          <a:effectRef idx="0">
+            <a:schemeClr val="accent6"/>
+          </a:effectRef>
+          <a:fontRef idx="minor">
+            <a:schemeClr val="dk1"/>
+          </a:fontRef>
+        </p:style>
+        <p:txBody>
+          <a:bodyPr rtlCol="0" anchor="ctr"/>
+          <a:lstStyle/>
+          <a:p>
+            <a:r>
+              <a:rPr kumimoji="1" lang="ja-JP" altLang="en-US" dirty="0" smtClean="0"/>
+              <a:t>文字を表示させる場合には、テキスト枠が表示される</a:t>
+            </a:r>
+            <a:endParaRPr kumimoji="1" lang="ja-JP" altLang="en-US" dirty="0"/>
+          </a:p>
+        </p:txBody>
+      </p:sp>
+    </p:spTree>
+    <p:extLst>
+      <p:ext uri="{BB962C8B-B14F-4D97-AF65-F5344CB8AC3E}">
+        <p14:creationId xmlns:p14="http://schemas.microsoft.com/office/powerpoint/2010/main" val="2156033150"/>
+      </p:ext>
+    </p:extLst>
+  </p:cSld>
+  <p:clrMapOvr>
+    <a:masterClrMapping/>
+  </p:clrMapOvr>
+</p:sld>
+</file>
+
+<file path=ppt/slides/slide9.xml><?xml version="1.0" encoding="utf-8"?>
+<p:sld xmlns:a="http://schemas.openxmlformats.org/drawingml/2006/main" xmlns:r="http://schemas.openxmlformats.org/officeDocument/2006/relationships" xmlns:p="http://schemas.openxmlformats.org/presentationml/2006/main">
+  <p:cSld>
+    <p:spTree>
+      <p:nvGrpSpPr>
+        <p:cNvPr id="1" name=""/>
+        <p:cNvGrpSpPr/>
+        <p:nvPr/>
+      </p:nvGrpSpPr>
+      <p:grpSpPr>
+        <a:xfrm>
+          <a:off x="0" y="0"/>
+          <a:ext cx="0" cy="0"/>
+          <a:chOff x="0" y="0"/>
+          <a:chExt cx="0" cy="0"/>
+        </a:xfrm>
+      </p:grpSpPr>
+      <p:sp>
+        <p:nvSpPr>
+          <p:cNvPr id="2" name="テキスト ボックス 1"/>
+          <p:cNvSpPr txBox="1"/>
+          <p:nvPr/>
+        </p:nvSpPr>
+        <p:spPr>
+          <a:xfrm>
+            <a:off x="188640" y="272480"/>
+            <a:ext cx="6408712" cy="3539430"/>
+          </a:xfrm>
+          <a:prstGeom prst="rect">
+            <a:avLst/>
+          </a:prstGeom>
+          <a:noFill/>
+        </p:spPr>
+        <p:txBody>
+          <a:bodyPr wrap="square" rtlCol="0">
+            <a:spAutoFit/>
+          </a:bodyPr>
+          <a:lstStyle/>
+          <a:p>
+            <a:r>
+              <a:rPr lang="ja-JP" altLang="en-US" sz="1600" dirty="0" smtClean="0"/>
+              <a:t>⑤　</a:t>
+            </a:r>
+            <a:r>
+              <a:rPr lang="en-US" altLang="ja-JP" sz="1600" dirty="0" err="1" smtClean="0"/>
+              <a:t>radiko</a:t>
+            </a:r>
+            <a:endParaRPr lang="en-US" altLang="ja-JP" sz="1600" dirty="0"/>
+          </a:p>
+          <a:p>
+            <a:pPr>
+              <a:tabLst>
+                <a:tab pos="444500" algn="l"/>
+              </a:tabLst>
+            </a:pPr>
+            <a:endParaRPr kumimoji="1" lang="en-US" altLang="ja-JP" sz="1600" dirty="0" smtClean="0"/>
+          </a:p>
+          <a:p>
+            <a:pPr>
+              <a:tabLst>
+                <a:tab pos="444500" algn="l"/>
+              </a:tabLst>
+            </a:pPr>
+            <a:endParaRPr lang="en-US" altLang="ja-JP" sz="1600" dirty="0"/>
+          </a:p>
+          <a:p>
+            <a:pPr>
+              <a:tabLst>
+                <a:tab pos="444500" algn="l"/>
+              </a:tabLst>
+            </a:pPr>
+            <a:endParaRPr kumimoji="1" lang="en-US" altLang="ja-JP" sz="1600" dirty="0" smtClean="0"/>
+          </a:p>
+          <a:p>
+            <a:pPr>
+              <a:tabLst>
+                <a:tab pos="444500" algn="l"/>
+              </a:tabLst>
+            </a:pPr>
+            <a:endParaRPr lang="en-US" altLang="ja-JP" sz="1600" dirty="0"/>
+          </a:p>
+          <a:p>
+            <a:pPr>
+              <a:tabLst>
+                <a:tab pos="444500" algn="l"/>
+              </a:tabLst>
+            </a:pPr>
+            <a:endParaRPr kumimoji="1" lang="en-US" altLang="ja-JP" sz="1600" dirty="0" smtClean="0"/>
+          </a:p>
+          <a:p>
+            <a:pPr>
+              <a:tabLst>
+                <a:tab pos="444500" algn="l"/>
+              </a:tabLst>
+            </a:pPr>
+            <a:endParaRPr lang="en-US" altLang="ja-JP" sz="1600" dirty="0"/>
+          </a:p>
+          <a:p>
+            <a:pPr>
+              <a:tabLst>
+                <a:tab pos="444500" algn="l"/>
+              </a:tabLst>
+            </a:pPr>
+            <a:endParaRPr kumimoji="1" lang="en-US" altLang="ja-JP" sz="1600" dirty="0" smtClean="0"/>
+          </a:p>
+          <a:p>
+            <a:pPr>
+              <a:tabLst>
+                <a:tab pos="444500" algn="l"/>
+              </a:tabLst>
+            </a:pPr>
+            <a:endParaRPr lang="en-US" altLang="ja-JP" sz="1600" dirty="0"/>
+          </a:p>
+          <a:p>
+            <a:pPr>
+              <a:tabLst>
+                <a:tab pos="444500" algn="l"/>
+              </a:tabLst>
+            </a:pPr>
+            <a:endParaRPr kumimoji="1" lang="en-US" altLang="ja-JP" sz="1600" dirty="0" smtClean="0"/>
+          </a:p>
+          <a:p>
+            <a:pPr>
+              <a:tabLst>
+                <a:tab pos="444500" algn="l"/>
+              </a:tabLst>
+            </a:pPr>
+            <a:endParaRPr lang="en-US" altLang="ja-JP" sz="1600" dirty="0"/>
+          </a:p>
+          <a:p>
+            <a:pPr>
+              <a:tabLst>
+                <a:tab pos="444500" algn="l"/>
+              </a:tabLst>
+            </a:pPr>
+            <a:endParaRPr kumimoji="1" lang="en-US" altLang="ja-JP" sz="1600" dirty="0" smtClean="0"/>
+          </a:p>
+          <a:p>
+            <a:pPr>
+              <a:tabLst>
+                <a:tab pos="444500" algn="l"/>
+              </a:tabLst>
+            </a:pPr>
+            <a:endParaRPr lang="en-US" altLang="ja-JP" sz="1600" dirty="0"/>
+          </a:p>
+          <a:p>
+            <a:pPr>
+              <a:tabLst>
+                <a:tab pos="444500" algn="l"/>
+              </a:tabLst>
+            </a:pPr>
+            <a:endParaRPr kumimoji="1" lang="en-US" altLang="ja-JP" sz="1600" dirty="0" smtClean="0"/>
+          </a:p>
+        </p:txBody>
+      </p:sp>
+    </p:spTree>
+    <p:extLst>
+      <p:ext uri="{BB962C8B-B14F-4D97-AF65-F5344CB8AC3E}">
+        <p14:creationId xmlns:p14="http://schemas.microsoft.com/office/powerpoint/2010/main" val="1908588907"/>
+      </p:ext>
+    </p:extLst>
+  </p:cSld>
+  <p:clrMapOvr>
+    <a:masterClrMapping/>
+  </p:clrMapOvr>
 </p:sld>
 </file>
 
